--- a/Presentations/FinalPresentation.pptx
+++ b/Presentations/FinalPresentation.pptx
@@ -7,8 +7,7 @@
   <p:sldIdLst>
     <p:sldId id="257" r:id="rId2"/>
     <p:sldId id="258" r:id="rId3"/>
-    <p:sldId id="260" r:id="rId4"/>
-    <p:sldId id="259" r:id="rId5"/>
+    <p:sldId id="259" r:id="rId4"/>
   </p:sldIdLst>
   <p:sldSz cx="12192000" cy="6858000"/>
   <p:notesSz cx="6858000" cy="9144000"/>
@@ -4150,7 +4149,7 @@
         </p:blipFill>
         <p:spPr>
           <a:xfrm>
-            <a:off x="8024884" y="2353691"/>
+            <a:off x="8037584" y="2391791"/>
             <a:ext cx="2811438" cy="3470910"/>
           </a:xfrm>
           <a:prstGeom prst="rect">
@@ -4212,7 +4211,7 @@
           <a:p>
             <a:r>
               <a:rPr lang="en-US" dirty="0" smtClean="0"/>
-              <a:t>Additional Features</a:t>
+              <a:t>Design</a:t>
             </a:r>
             <a:endParaRPr lang="en-US" dirty="0"/>
           </a:p>
@@ -4228,27 +4227,63 @@
             <p:ph idx="1"/>
           </p:nvPr>
         </p:nvSpPr>
-        <p:spPr>
-          <a:xfrm>
-            <a:off x="1097280" y="1845733"/>
-            <a:ext cx="10058400" cy="4486827"/>
-          </a:xfrm>
-        </p:spPr>
-        <p:txBody>
-          <a:bodyPr>
-            <a:noAutofit/>
-          </a:bodyPr>
-          <a:lstStyle/>
-          <a:p>
-            <a:pPr lvl="1">
+        <p:spPr/>
+        <p:txBody>
+          <a:bodyPr/>
+          <a:lstStyle/>
+          <a:p>
+            <a:pPr>
               <a:buFont typeface="Wingdings" charset="2"/>
               <a:buChar char="§"/>
             </a:pPr>
             <a:r>
-              <a:rPr lang="en-US" smtClean="0"/>
-              <a:t>Admin</a:t>
-            </a:r>
+              <a:rPr lang="en-US" sz="2800" dirty="0" smtClean="0"/>
+              <a:t>Outdoor “Montana” theme</a:t>
+            </a:r>
+          </a:p>
+          <a:p>
+            <a:pPr>
+              <a:buFont typeface="Wingdings" charset="2"/>
+              <a:buChar char="§"/>
+            </a:pPr>
+            <a:r>
+              <a:rPr lang="en-US" sz="2800" dirty="0" smtClean="0"/>
+              <a:t>Clean</a:t>
+            </a:r>
+          </a:p>
+          <a:p>
+            <a:pPr>
+              <a:buFont typeface="Wingdings" charset="2"/>
+              <a:buChar char="§"/>
+            </a:pPr>
+            <a:r>
+              <a:rPr lang="en-US" sz="2800" dirty="0" smtClean="0"/>
+              <a:t>Simple</a:t>
+            </a:r>
+          </a:p>
+          <a:p>
+            <a:pPr>
+              <a:buFont typeface="Wingdings" charset="2"/>
+              <a:buChar char="§"/>
+            </a:pPr>
+            <a:r>
+              <a:rPr lang="en-US" sz="2800" dirty="0" smtClean="0"/>
+              <a:t>User friendly</a:t>
+            </a:r>
+          </a:p>
+          <a:p>
+            <a:pPr>
+              <a:buFont typeface="Wingdings" charset="2"/>
+              <a:buChar char="§"/>
+            </a:pPr>
             <a:endParaRPr lang="en-US" dirty="0" smtClean="0"/>
+          </a:p>
+          <a:p>
+            <a:pPr>
+              <a:buFont typeface="Wingdings" charset="2"/>
+              <a:buChar char="§"/>
+            </a:pPr>
+            <a:endParaRPr lang="en-US" dirty="0"/>
           </a:p>
         </p:txBody>
       </p:sp>
@@ -4268,7 +4303,7 @@
         </p:blipFill>
         <p:spPr>
           <a:xfrm>
-            <a:off x="8024884" y="2353691"/>
+            <a:off x="8037584" y="2391791"/>
             <a:ext cx="2811438" cy="3470910"/>
           </a:xfrm>
           <a:prstGeom prst="rect">
@@ -4279,82 +4314,7 @@
     </p:spTree>
     <p:extLst>
       <p:ext uri="{BB962C8B-B14F-4D97-AF65-F5344CB8AC3E}">
-        <p14:creationId xmlns:p14="http://schemas.microsoft.com/office/powerpoint/2010/main" val="985668146"/>
-      </p:ext>
-    </p:extLst>
-  </p:cSld>
-  <p:clrMapOvr>
-    <a:masterClrMapping/>
-  </p:clrMapOvr>
-  <p:timing>
-    <p:tnLst>
-      <p:par>
-        <p:cTn id="1" dur="indefinite" restart="never" nodeType="tmRoot"/>
-      </p:par>
-    </p:tnLst>
-  </p:timing>
-</p:sld>
-</file>
-
-<file path=ppt/slides/slide4.xml><?xml version="1.0" encoding="utf-8"?>
-<p:sld xmlns:a="http://schemas.openxmlformats.org/drawingml/2006/main" xmlns:r="http://schemas.openxmlformats.org/officeDocument/2006/relationships" xmlns:p="http://schemas.openxmlformats.org/presentationml/2006/main">
-  <p:cSld>
-    <p:spTree>
-      <p:nvGrpSpPr>
-        <p:cNvPr id="1" name=""/>
-        <p:cNvGrpSpPr/>
-        <p:nvPr/>
-      </p:nvGrpSpPr>
-      <p:grpSpPr>
-        <a:xfrm>
-          <a:off x="0" y="0"/>
-          <a:ext cx="0" cy="0"/>
-          <a:chOff x="0" y="0"/>
-          <a:chExt cx="0" cy="0"/>
-        </a:xfrm>
-      </p:grpSpPr>
-      <p:sp>
-        <p:nvSpPr>
-          <p:cNvPr id="2" name="Title 1"/>
-          <p:cNvSpPr>
-            <a:spLocks noGrp="1"/>
-          </p:cNvSpPr>
-          <p:nvPr>
-            <p:ph type="title"/>
-          </p:nvPr>
-        </p:nvSpPr>
-        <p:spPr/>
-        <p:txBody>
-          <a:bodyPr/>
-          <a:lstStyle/>
-          <a:p>
-            <a:endParaRPr lang="en-US" dirty="0"/>
-          </a:p>
-        </p:txBody>
-      </p:sp>
-      <p:sp>
-        <p:nvSpPr>
-          <p:cNvPr id="3" name="Content Placeholder 2"/>
-          <p:cNvSpPr>
-            <a:spLocks noGrp="1"/>
-          </p:cNvSpPr>
-          <p:nvPr>
-            <p:ph idx="1"/>
-          </p:nvPr>
-        </p:nvSpPr>
-        <p:spPr/>
-        <p:txBody>
-          <a:bodyPr/>
-          <a:lstStyle/>
-          <a:p>
-            <a:endParaRPr lang="en-US"/>
-          </a:p>
-        </p:txBody>
-      </p:sp>
-    </p:spTree>
-    <p:extLst>
-      <p:ext uri="{BB962C8B-B14F-4D97-AF65-F5344CB8AC3E}">
-        <p14:creationId xmlns:p14="http://schemas.microsoft.com/office/powerpoint/2010/main" val="878934143"/>
+        <p14:creationId xmlns:p14="http://schemas.microsoft.com/office/powerpoint/2010/main" val="1257961625"/>
       </p:ext>
     </p:extLst>
   </p:cSld>
